--- a/FinalprojectPPT.pptx
+++ b/FinalprojectPPT.pptx
@@ -139,18 +139,18 @@
   <pc:docChgLst>
     <pc:chgData name="jyothika pallavi" userId="01e5e34f0246924f" providerId="LiveId" clId="{C9427236-E1CF-4779-9893-442D0AEBEAB8}"/>
     <pc:docChg chg="modSld">
-      <pc:chgData name="jyothika pallavi" userId="01e5e34f0246924f" providerId="LiveId" clId="{C9427236-E1CF-4779-9893-442D0AEBEAB8}" dt="2024-07-12T04:30:45.152" v="3" actId="1076"/>
+      <pc:chgData name="jyothika pallavi" userId="01e5e34f0246924f" providerId="LiveId" clId="{C9427236-E1CF-4779-9893-442D0AEBEAB8}" dt="2024-07-12T04:56:59.887" v="121" actId="14100"/>
       <pc:docMkLst>
         <pc:docMk/>
       </pc:docMkLst>
       <pc:sldChg chg="addSp modSp mod">
-        <pc:chgData name="jyothika pallavi" userId="01e5e34f0246924f" providerId="LiveId" clId="{C9427236-E1CF-4779-9893-442D0AEBEAB8}" dt="2024-07-12T04:30:45.152" v="3" actId="1076"/>
+        <pc:chgData name="jyothika pallavi" userId="01e5e34f0246924f" providerId="LiveId" clId="{C9427236-E1CF-4779-9893-442D0AEBEAB8}" dt="2024-07-12T04:56:59.887" v="121" actId="14100"/>
         <pc:sldMkLst>
           <pc:docMk/>
           <pc:sldMk cId="2525990289" sldId="265"/>
         </pc:sldMkLst>
         <pc:spChg chg="add mod">
-          <ac:chgData name="jyothika pallavi" userId="01e5e34f0246924f" providerId="LiveId" clId="{C9427236-E1CF-4779-9893-442D0AEBEAB8}" dt="2024-07-12T04:30:45.152" v="3" actId="1076"/>
+          <ac:chgData name="jyothika pallavi" userId="01e5e34f0246924f" providerId="LiveId" clId="{C9427236-E1CF-4779-9893-442D0AEBEAB8}" dt="2024-07-12T04:56:59.887" v="121" actId="14100"/>
           <ac:spMkLst>
             <pc:docMk/>
             <pc:sldMk cId="2525990289" sldId="265"/>
@@ -647,7 +647,7 @@
           <a:noFill/>
           <a:extLst>
             <a:ext uri="{909E8E84-426E-40dd-AFC4-6F175D3DCCD1}">
-              <a14:hiddenFill xmlns="" xmlns:a14="http://schemas.microsoft.com/office/drawing/2010/main">
+              <a14:hiddenFill xmlns:a14="http://schemas.microsoft.com/office/drawing/2010/main" xmlns="">
                 <a:solidFill>
                   <a:srgbClr val="FFFFFF"/>
                 </a:solidFill>
@@ -707,7 +707,7 @@
             </a:ln>
             <a:extLst>
               <a:ext uri="{91240B29-F687-4f45-9708-019B960494DF}">
-                <a14:hiddenLine xmlns="" xmlns:a14="http://schemas.microsoft.com/office/drawing/2010/main" w="9525">
+                <a14:hiddenLine xmlns:a14="http://schemas.microsoft.com/office/drawing/2010/main" xmlns="" w="9525">
                   <a:solidFill>
                     <a:srgbClr val="000000"/>
                   </a:solidFill>
@@ -797,7 +797,7 @@
             </a:ln>
             <a:extLst>
               <a:ext uri="{91240B29-F687-4f45-9708-019B960494DF}">
-                <a14:hiddenLine xmlns="" xmlns:a14="http://schemas.microsoft.com/office/drawing/2010/main" w="9525">
+                <a14:hiddenLine xmlns:a14="http://schemas.microsoft.com/office/drawing/2010/main" xmlns="" w="9525">
                   <a:solidFill>
                     <a:srgbClr val="000000"/>
                   </a:solidFill>
@@ -887,7 +887,7 @@
             </a:ln>
             <a:extLst>
               <a:ext uri="{91240B29-F687-4f45-9708-019B960494DF}">
-                <a14:hiddenLine xmlns="" xmlns:a14="http://schemas.microsoft.com/office/drawing/2010/main" w="9525">
+                <a14:hiddenLine xmlns:a14="http://schemas.microsoft.com/office/drawing/2010/main" xmlns="" w="9525">
                   <a:solidFill>
                     <a:srgbClr val="000000"/>
                   </a:solidFill>
@@ -921,7 +921,7 @@
             </a:ln>
             <a:extLst>
               <a:ext uri="{91240B29-F687-4f45-9708-019B960494DF}">
-                <a14:hiddenLine xmlns="" xmlns:a14="http://schemas.microsoft.com/office/drawing/2010/main" w="9525">
+                <a14:hiddenLine xmlns:a14="http://schemas.microsoft.com/office/drawing/2010/main" xmlns="" w="9525">
                   <a:solidFill>
                     <a:srgbClr val="000000"/>
                   </a:solidFill>
@@ -1011,7 +1011,7 @@
             </a:ln>
             <a:extLst>
               <a:ext uri="{91240B29-F687-4f45-9708-019B960494DF}">
-                <a14:hiddenLine xmlns="" xmlns:a14="http://schemas.microsoft.com/office/drawing/2010/main" w="9525">
+                <a14:hiddenLine xmlns:a14="http://schemas.microsoft.com/office/drawing/2010/main" xmlns="" w="9525">
                   <a:solidFill>
                     <a:srgbClr val="000000"/>
                   </a:solidFill>
@@ -1073,7 +1073,7 @@
             </a:ln>
             <a:extLst>
               <a:ext uri="{91240B29-F687-4f45-9708-019B960494DF}">
-                <a14:hiddenLine xmlns="" xmlns:a14="http://schemas.microsoft.com/office/drawing/2010/main" w="9525">
+                <a14:hiddenLine xmlns:a14="http://schemas.microsoft.com/office/drawing/2010/main" xmlns="" w="9525">
                   <a:solidFill>
                     <a:srgbClr val="000000"/>
                   </a:solidFill>
@@ -1135,7 +1135,7 @@
             </a:ln>
             <a:extLst>
               <a:ext uri="{91240B29-F687-4f45-9708-019B960494DF}">
-                <a14:hiddenLine xmlns="" xmlns:a14="http://schemas.microsoft.com/office/drawing/2010/main" w="9525">
+                <a14:hiddenLine xmlns:a14="http://schemas.microsoft.com/office/drawing/2010/main" xmlns="" w="9525">
                   <a:solidFill>
                     <a:srgbClr val="000000"/>
                   </a:solidFill>
@@ -1225,7 +1225,7 @@
             </a:ln>
             <a:extLst>
               <a:ext uri="{91240B29-F687-4f45-9708-019B960494DF}">
-                <a14:hiddenLine xmlns="" xmlns:a14="http://schemas.microsoft.com/office/drawing/2010/main" w="9525">
+                <a14:hiddenLine xmlns:a14="http://schemas.microsoft.com/office/drawing/2010/main" xmlns="" w="9525">
                   <a:solidFill>
                     <a:srgbClr val="000000"/>
                   </a:solidFill>
@@ -1287,7 +1287,7 @@
             </a:ln>
             <a:extLst>
               <a:ext uri="{91240B29-F687-4f45-9708-019B960494DF}">
-                <a14:hiddenLine xmlns="" xmlns:a14="http://schemas.microsoft.com/office/drawing/2010/main" w="9525">
+                <a14:hiddenLine xmlns:a14="http://schemas.microsoft.com/office/drawing/2010/main" xmlns="" w="9525">
                   <a:solidFill>
                     <a:srgbClr val="000000"/>
                   </a:solidFill>
@@ -1349,7 +1349,7 @@
             </a:ln>
             <a:extLst>
               <a:ext uri="{91240B29-F687-4f45-9708-019B960494DF}">
-                <a14:hiddenLine xmlns="" xmlns:a14="http://schemas.microsoft.com/office/drawing/2010/main" w="9525">
+                <a14:hiddenLine xmlns:a14="http://schemas.microsoft.com/office/drawing/2010/main" xmlns="" w="9525">
                   <a:solidFill>
                     <a:srgbClr val="000000"/>
                   </a:solidFill>
@@ -1439,7 +1439,7 @@
             </a:ln>
             <a:extLst>
               <a:ext uri="{91240B29-F687-4f45-9708-019B960494DF}">
-                <a14:hiddenLine xmlns="" xmlns:a14="http://schemas.microsoft.com/office/drawing/2010/main" w="9525">
+                <a14:hiddenLine xmlns:a14="http://schemas.microsoft.com/office/drawing/2010/main" xmlns="" w="9525">
                   <a:solidFill>
                     <a:srgbClr val="000000"/>
                   </a:solidFill>
@@ -1529,7 +1529,7 @@
             </a:ln>
             <a:extLst>
               <a:ext uri="{91240B29-F687-4f45-9708-019B960494DF}">
-                <a14:hiddenLine xmlns="" xmlns:a14="http://schemas.microsoft.com/office/drawing/2010/main" w="9525">
+                <a14:hiddenLine xmlns:a14="http://schemas.microsoft.com/office/drawing/2010/main" xmlns="" w="9525">
                   <a:solidFill>
                     <a:srgbClr val="000000"/>
                   </a:solidFill>
@@ -1591,7 +1591,7 @@
             </a:ln>
             <a:extLst>
               <a:ext uri="{91240B29-F687-4f45-9708-019B960494DF}">
-                <a14:hiddenLine xmlns="" xmlns:a14="http://schemas.microsoft.com/office/drawing/2010/main" w="9525">
+                <a14:hiddenLine xmlns:a14="http://schemas.microsoft.com/office/drawing/2010/main" xmlns="" w="9525">
                   <a:solidFill>
                     <a:srgbClr val="000000"/>
                   </a:solidFill>
@@ -1701,7 +1701,7 @@
             </a:ln>
             <a:extLst>
               <a:ext uri="{91240B29-F687-4f45-9708-019B960494DF}">
-                <a14:hiddenLine xmlns="" xmlns:a14="http://schemas.microsoft.com/office/drawing/2010/main" w="9525">
+                <a14:hiddenLine xmlns:a14="http://schemas.microsoft.com/office/drawing/2010/main" xmlns="" w="9525">
                   <a:solidFill>
                     <a:srgbClr val="000000"/>
                   </a:solidFill>
@@ -1763,7 +1763,7 @@
             </a:ln>
             <a:extLst>
               <a:ext uri="{91240B29-F687-4f45-9708-019B960494DF}">
-                <a14:hiddenLine xmlns="" xmlns:a14="http://schemas.microsoft.com/office/drawing/2010/main" w="9525">
+                <a14:hiddenLine xmlns:a14="http://schemas.microsoft.com/office/drawing/2010/main" xmlns="" w="9525">
                   <a:solidFill>
                     <a:srgbClr val="000000"/>
                   </a:solidFill>
@@ -1853,7 +1853,7 @@
             </a:ln>
             <a:extLst>
               <a:ext uri="{91240B29-F687-4f45-9708-019B960494DF}">
-                <a14:hiddenLine xmlns="" xmlns:a14="http://schemas.microsoft.com/office/drawing/2010/main" w="9525">
+                <a14:hiddenLine xmlns:a14="http://schemas.microsoft.com/office/drawing/2010/main" xmlns="" w="9525">
                   <a:solidFill>
                     <a:srgbClr val="000000"/>
                   </a:solidFill>
@@ -1943,7 +1943,7 @@
             </a:ln>
             <a:extLst>
               <a:ext uri="{91240B29-F687-4f45-9708-019B960494DF}">
-                <a14:hiddenLine xmlns="" xmlns:a14="http://schemas.microsoft.com/office/drawing/2010/main" w="9525">
+                <a14:hiddenLine xmlns:a14="http://schemas.microsoft.com/office/drawing/2010/main" xmlns="" w="9525">
                   <a:solidFill>
                     <a:srgbClr val="000000"/>
                   </a:solidFill>
@@ -2005,7 +2005,7 @@
             </a:ln>
             <a:extLst>
               <a:ext uri="{91240B29-F687-4f45-9708-019B960494DF}">
-                <a14:hiddenLine xmlns="" xmlns:a14="http://schemas.microsoft.com/office/drawing/2010/main" w="9525">
+                <a14:hiddenLine xmlns:a14="http://schemas.microsoft.com/office/drawing/2010/main" xmlns="" w="9525">
                   <a:solidFill>
                     <a:srgbClr val="000000"/>
                   </a:solidFill>
@@ -2095,7 +2095,7 @@
             </a:ln>
             <a:extLst>
               <a:ext uri="{91240B29-F687-4f45-9708-019B960494DF}">
-                <a14:hiddenLine xmlns="" xmlns:a14="http://schemas.microsoft.com/office/drawing/2010/main" w="9525">
+                <a14:hiddenLine xmlns:a14="http://schemas.microsoft.com/office/drawing/2010/main" xmlns="" w="9525">
                   <a:solidFill>
                     <a:srgbClr val="000000"/>
                   </a:solidFill>
@@ -2185,7 +2185,7 @@
             </a:ln>
             <a:extLst>
               <a:ext uri="{91240B29-F687-4f45-9708-019B960494DF}">
-                <a14:hiddenLine xmlns="" xmlns:a14="http://schemas.microsoft.com/office/drawing/2010/main" w="9525">
+                <a14:hiddenLine xmlns:a14="http://schemas.microsoft.com/office/drawing/2010/main" xmlns="" w="9525">
                   <a:solidFill>
                     <a:srgbClr val="000000"/>
                   </a:solidFill>
@@ -2241,7 +2241,7 @@
             </a:ln>
             <a:extLst>
               <a:ext uri="{91240B29-F687-4f45-9708-019B960494DF}">
-                <a14:hiddenLine xmlns="" xmlns:a14="http://schemas.microsoft.com/office/drawing/2010/main" w="9525">
+                <a14:hiddenLine xmlns:a14="http://schemas.microsoft.com/office/drawing/2010/main" xmlns="" w="9525">
                   <a:solidFill>
                     <a:srgbClr val="000000"/>
                   </a:solidFill>
@@ -2331,7 +2331,7 @@
             </a:ln>
             <a:extLst>
               <a:ext uri="{91240B29-F687-4f45-9708-019B960494DF}">
-                <a14:hiddenLine xmlns="" xmlns:a14="http://schemas.microsoft.com/office/drawing/2010/main" w="9525">
+                <a14:hiddenLine xmlns:a14="http://schemas.microsoft.com/office/drawing/2010/main" xmlns="" w="9525">
                   <a:solidFill>
                     <a:srgbClr val="000000"/>
                   </a:solidFill>
@@ -2387,7 +2387,7 @@
             </a:ln>
             <a:extLst>
               <a:ext uri="{91240B29-F687-4f45-9708-019B960494DF}">
-                <a14:hiddenLine xmlns="" xmlns:a14="http://schemas.microsoft.com/office/drawing/2010/main" w="9525">
+                <a14:hiddenLine xmlns:a14="http://schemas.microsoft.com/office/drawing/2010/main" xmlns="" w="9525">
                   <a:solidFill>
                     <a:srgbClr val="000000"/>
                   </a:solidFill>
@@ -2477,7 +2477,7 @@
             </a:ln>
             <a:extLst>
               <a:ext uri="{91240B29-F687-4f45-9708-019B960494DF}">
-                <a14:hiddenLine xmlns="" xmlns:a14="http://schemas.microsoft.com/office/drawing/2010/main" w="9525">
+                <a14:hiddenLine xmlns:a14="http://schemas.microsoft.com/office/drawing/2010/main" xmlns="" w="9525">
                   <a:solidFill>
                     <a:srgbClr val="000000"/>
                   </a:solidFill>
@@ -2545,7 +2545,7 @@
             </a:ln>
             <a:extLst>
               <a:ext uri="{91240B29-F687-4f45-9708-019B960494DF}">
-                <a14:hiddenLine xmlns="" xmlns:a14="http://schemas.microsoft.com/office/drawing/2010/main" w="9525">
+                <a14:hiddenLine xmlns:a14="http://schemas.microsoft.com/office/drawing/2010/main" xmlns="" w="9525">
                   <a:solidFill>
                     <a:srgbClr val="000000"/>
                   </a:solidFill>
@@ -2635,7 +2635,7 @@
             </a:ln>
             <a:extLst>
               <a:ext uri="{91240B29-F687-4f45-9708-019B960494DF}">
-                <a14:hiddenLine xmlns="" xmlns:a14="http://schemas.microsoft.com/office/drawing/2010/main" w="9525">
+                <a14:hiddenLine xmlns:a14="http://schemas.microsoft.com/office/drawing/2010/main" xmlns="" w="9525">
                   <a:solidFill>
                     <a:srgbClr val="000000"/>
                   </a:solidFill>
@@ -2703,7 +2703,7 @@
             </a:ln>
             <a:extLst>
               <a:ext uri="{91240B29-F687-4f45-9708-019B960494DF}">
-                <a14:hiddenLine xmlns="" xmlns:a14="http://schemas.microsoft.com/office/drawing/2010/main" w="9525">
+                <a14:hiddenLine xmlns:a14="http://schemas.microsoft.com/office/drawing/2010/main" xmlns="" w="9525">
                   <a:solidFill>
                     <a:srgbClr val="000000"/>
                   </a:solidFill>
@@ -2793,7 +2793,7 @@
             </a:ln>
             <a:extLst>
               <a:ext uri="{91240B29-F687-4f45-9708-019B960494DF}">
-                <a14:hiddenLine xmlns="" xmlns:a14="http://schemas.microsoft.com/office/drawing/2010/main" w="9525">
+                <a14:hiddenLine xmlns:a14="http://schemas.microsoft.com/office/drawing/2010/main" xmlns="" w="9525">
                   <a:solidFill>
                     <a:srgbClr val="000000"/>
                   </a:solidFill>
@@ -2827,7 +2827,7 @@
             </a:ln>
             <a:extLst>
               <a:ext uri="{91240B29-F687-4f45-9708-019B960494DF}">
-                <a14:hiddenLine xmlns="" xmlns:a14="http://schemas.microsoft.com/office/drawing/2010/main" w="9525">
+                <a14:hiddenLine xmlns:a14="http://schemas.microsoft.com/office/drawing/2010/main" xmlns="" w="9525">
                   <a:solidFill>
                     <a:srgbClr val="000000"/>
                   </a:solidFill>
@@ -2917,7 +2917,7 @@
             </a:ln>
             <a:extLst>
               <a:ext uri="{91240B29-F687-4f45-9708-019B960494DF}">
-                <a14:hiddenLine xmlns="" xmlns:a14="http://schemas.microsoft.com/office/drawing/2010/main" w="9525">
+                <a14:hiddenLine xmlns:a14="http://schemas.microsoft.com/office/drawing/2010/main" xmlns="" w="9525">
                   <a:solidFill>
                     <a:srgbClr val="000000"/>
                   </a:solidFill>
@@ -2979,7 +2979,7 @@
             </a:ln>
             <a:extLst>
               <a:ext uri="{91240B29-F687-4f45-9708-019B960494DF}">
-                <a14:hiddenLine xmlns="" xmlns:a14="http://schemas.microsoft.com/office/drawing/2010/main" w="9525">
+                <a14:hiddenLine xmlns:a14="http://schemas.microsoft.com/office/drawing/2010/main" xmlns="" w="9525">
                   <a:solidFill>
                     <a:srgbClr val="000000"/>
                   </a:solidFill>
@@ -3041,7 +3041,7 @@
             </a:ln>
             <a:extLst>
               <a:ext uri="{91240B29-F687-4f45-9708-019B960494DF}">
-                <a14:hiddenLine xmlns="" xmlns:a14="http://schemas.microsoft.com/office/drawing/2010/main" w="9525">
+                <a14:hiddenLine xmlns:a14="http://schemas.microsoft.com/office/drawing/2010/main" xmlns="" w="9525">
                   <a:solidFill>
                     <a:srgbClr val="000000"/>
                   </a:solidFill>
@@ -3131,7 +3131,7 @@
             </a:ln>
             <a:extLst>
               <a:ext uri="{91240B29-F687-4f45-9708-019B960494DF}">
-                <a14:hiddenLine xmlns="" xmlns:a14="http://schemas.microsoft.com/office/drawing/2010/main" w="9525">
+                <a14:hiddenLine xmlns:a14="http://schemas.microsoft.com/office/drawing/2010/main" xmlns="" w="9525">
                   <a:solidFill>
                     <a:srgbClr val="000000"/>
                   </a:solidFill>
@@ -3199,7 +3199,7 @@
             </a:ln>
             <a:extLst>
               <a:ext uri="{91240B29-F687-4f45-9708-019B960494DF}">
-                <a14:hiddenLine xmlns="" xmlns:a14="http://schemas.microsoft.com/office/drawing/2010/main" w="9525">
+                <a14:hiddenLine xmlns:a14="http://schemas.microsoft.com/office/drawing/2010/main" xmlns="" w="9525">
                   <a:solidFill>
                     <a:srgbClr val="000000"/>
                   </a:solidFill>
@@ -3261,7 +3261,7 @@
             </a:ln>
             <a:extLst>
               <a:ext uri="{91240B29-F687-4f45-9708-019B960494DF}">
-                <a14:hiddenLine xmlns="" xmlns:a14="http://schemas.microsoft.com/office/drawing/2010/main" w="9525">
+                <a14:hiddenLine xmlns:a14="http://schemas.microsoft.com/office/drawing/2010/main" xmlns="" w="9525">
                   <a:solidFill>
                     <a:srgbClr val="000000"/>
                   </a:solidFill>
@@ -3351,7 +3351,7 @@
             </a:ln>
             <a:extLst>
               <a:ext uri="{91240B29-F687-4f45-9708-019B960494DF}">
-                <a14:hiddenLine xmlns="" xmlns:a14="http://schemas.microsoft.com/office/drawing/2010/main" w="9525">
+                <a14:hiddenLine xmlns:a14="http://schemas.microsoft.com/office/drawing/2010/main" xmlns="" w="9525">
                   <a:solidFill>
                     <a:srgbClr val="000000"/>
                   </a:solidFill>
@@ -3413,7 +3413,7 @@
             </a:ln>
             <a:extLst>
               <a:ext uri="{91240B29-F687-4f45-9708-019B960494DF}">
-                <a14:hiddenLine xmlns="" xmlns:a14="http://schemas.microsoft.com/office/drawing/2010/main" w="9525">
+                <a14:hiddenLine xmlns:a14="http://schemas.microsoft.com/office/drawing/2010/main" xmlns="" w="9525">
                   <a:solidFill>
                     <a:srgbClr val="000000"/>
                   </a:solidFill>
@@ -3503,7 +3503,7 @@
             </a:ln>
             <a:extLst>
               <a:ext uri="{91240B29-F687-4f45-9708-019B960494DF}">
-                <a14:hiddenLine xmlns="" xmlns:a14="http://schemas.microsoft.com/office/drawing/2010/main" w="9525">
+                <a14:hiddenLine xmlns:a14="http://schemas.microsoft.com/office/drawing/2010/main" xmlns="" w="9525">
                   <a:solidFill>
                     <a:srgbClr val="000000"/>
                   </a:solidFill>
@@ -3565,7 +3565,7 @@
             </a:ln>
             <a:extLst>
               <a:ext uri="{91240B29-F687-4f45-9708-019B960494DF}">
-                <a14:hiddenLine xmlns="" xmlns:a14="http://schemas.microsoft.com/office/drawing/2010/main" w="9525">
+                <a14:hiddenLine xmlns:a14="http://schemas.microsoft.com/office/drawing/2010/main" xmlns="" w="9525">
                   <a:solidFill>
                     <a:srgbClr val="000000"/>
                   </a:solidFill>
@@ -3655,7 +3655,7 @@
             </a:ln>
             <a:extLst>
               <a:ext uri="{91240B29-F687-4f45-9708-019B960494DF}">
-                <a14:hiddenLine xmlns="" xmlns:a14="http://schemas.microsoft.com/office/drawing/2010/main" w="9525">
+                <a14:hiddenLine xmlns:a14="http://schemas.microsoft.com/office/drawing/2010/main" xmlns="" w="9525">
                   <a:solidFill>
                     <a:srgbClr val="000000"/>
                   </a:solidFill>
@@ -3689,7 +3689,7 @@
             </a:ln>
             <a:extLst>
               <a:ext uri="{91240B29-F687-4f45-9708-019B960494DF}">
-                <a14:hiddenLine xmlns="" xmlns:a14="http://schemas.microsoft.com/office/drawing/2010/main" w="9525">
+                <a14:hiddenLine xmlns:a14="http://schemas.microsoft.com/office/drawing/2010/main" xmlns="" w="9525">
                   <a:solidFill>
                     <a:srgbClr val="000000"/>
                   </a:solidFill>
@@ -3754,7 +3754,7 @@
             </a:ln>
             <a:extLst>
               <a:ext uri="{91240B29-F687-4f45-9708-019B960494DF}">
-                <a14:hiddenLine xmlns="" xmlns:a14="http://schemas.microsoft.com/office/drawing/2010/main" w="9525">
+                <a14:hiddenLine xmlns:a14="http://schemas.microsoft.com/office/drawing/2010/main" xmlns="" w="9525">
                   <a:solidFill>
                     <a:srgbClr val="000000"/>
                   </a:solidFill>
@@ -3844,7 +3844,7 @@
             </a:ln>
             <a:extLst>
               <a:ext uri="{91240B29-F687-4f45-9708-019B960494DF}">
-                <a14:hiddenLine xmlns="" xmlns:a14="http://schemas.microsoft.com/office/drawing/2010/main" w="9525">
+                <a14:hiddenLine xmlns:a14="http://schemas.microsoft.com/office/drawing/2010/main" xmlns="" w="9525">
                   <a:solidFill>
                     <a:srgbClr val="000000"/>
                   </a:solidFill>
@@ -3906,7 +3906,7 @@
             </a:ln>
             <a:extLst>
               <a:ext uri="{91240B29-F687-4f45-9708-019B960494DF}">
-                <a14:hiddenLine xmlns="" xmlns:a14="http://schemas.microsoft.com/office/drawing/2010/main" w="9525">
+                <a14:hiddenLine xmlns:a14="http://schemas.microsoft.com/office/drawing/2010/main" xmlns="" w="9525">
                   <a:solidFill>
                     <a:srgbClr val="000000"/>
                   </a:solidFill>
@@ -3996,7 +3996,7 @@
             </a:ln>
             <a:extLst>
               <a:ext uri="{91240B29-F687-4f45-9708-019B960494DF}">
-                <a14:hiddenLine xmlns="" xmlns:a14="http://schemas.microsoft.com/office/drawing/2010/main" w="9525">
+                <a14:hiddenLine xmlns:a14="http://schemas.microsoft.com/office/drawing/2010/main" xmlns="" w="9525">
                   <a:solidFill>
                     <a:srgbClr val="000000"/>
                   </a:solidFill>
@@ -4086,7 +4086,7 @@
             </a:ln>
             <a:extLst>
               <a:ext uri="{91240B29-F687-4f45-9708-019B960494DF}">
-                <a14:hiddenLine xmlns="" xmlns:a14="http://schemas.microsoft.com/office/drawing/2010/main" w="9525">
+                <a14:hiddenLine xmlns:a14="http://schemas.microsoft.com/office/drawing/2010/main" xmlns="" w="9525">
                   <a:solidFill>
                     <a:srgbClr val="000000"/>
                   </a:solidFill>
@@ -4151,7 +4151,7 @@
             </a:ln>
             <a:extLst>
               <a:ext uri="{91240B29-F687-4f45-9708-019B960494DF}">
-                <a14:hiddenLine xmlns="" xmlns:a14="http://schemas.microsoft.com/office/drawing/2010/main" w="9525">
+                <a14:hiddenLine xmlns:a14="http://schemas.microsoft.com/office/drawing/2010/main" xmlns="" w="9525">
                   <a:solidFill>
                     <a:srgbClr val="000000"/>
                   </a:solidFill>
@@ -4213,7 +4213,7 @@
             </a:ln>
             <a:extLst>
               <a:ext uri="{91240B29-F687-4f45-9708-019B960494DF}">
-                <a14:hiddenLine xmlns="" xmlns:a14="http://schemas.microsoft.com/office/drawing/2010/main" w="9525">
+                <a14:hiddenLine xmlns:a14="http://schemas.microsoft.com/office/drawing/2010/main" xmlns="" w="9525">
                   <a:solidFill>
                     <a:srgbClr val="000000"/>
                   </a:solidFill>
@@ -4303,7 +4303,7 @@
             </a:ln>
             <a:extLst>
               <a:ext uri="{91240B29-F687-4f45-9708-019B960494DF}">
-                <a14:hiddenLine xmlns="" xmlns:a14="http://schemas.microsoft.com/office/drawing/2010/main" w="9525">
+                <a14:hiddenLine xmlns:a14="http://schemas.microsoft.com/office/drawing/2010/main" xmlns="" w="9525">
                   <a:solidFill>
                     <a:srgbClr val="000000"/>
                   </a:solidFill>
@@ -4393,7 +4393,7 @@
             </a:ln>
             <a:extLst>
               <a:ext uri="{91240B29-F687-4f45-9708-019B960494DF}">
-                <a14:hiddenLine xmlns="" xmlns:a14="http://schemas.microsoft.com/office/drawing/2010/main" w="9525">
+                <a14:hiddenLine xmlns:a14="http://schemas.microsoft.com/office/drawing/2010/main" xmlns="" w="9525">
                   <a:solidFill>
                     <a:srgbClr val="000000"/>
                   </a:solidFill>
@@ -4455,7 +4455,7 @@
             </a:ln>
             <a:extLst>
               <a:ext uri="{91240B29-F687-4f45-9708-019B960494DF}">
-                <a14:hiddenLine xmlns="" xmlns:a14="http://schemas.microsoft.com/office/drawing/2010/main" w="9525">
+                <a14:hiddenLine xmlns:a14="http://schemas.microsoft.com/office/drawing/2010/main" xmlns="" w="9525">
                   <a:solidFill>
                     <a:srgbClr val="000000"/>
                   </a:solidFill>
@@ -4575,7 +4575,7 @@
             </a:ln>
             <a:extLst>
               <a:ext uri="{91240B29-F687-4f45-9708-019B960494DF}">
-                <a14:hiddenLine xmlns="" xmlns:a14="http://schemas.microsoft.com/office/drawing/2010/main" w="9525">
+                <a14:hiddenLine xmlns:a14="http://schemas.microsoft.com/office/drawing/2010/main" xmlns="" w="9525">
                   <a:solidFill>
                     <a:srgbClr val="000000"/>
                   </a:solidFill>
@@ -4643,7 +4643,7 @@
             </a:ln>
             <a:extLst>
               <a:ext uri="{91240B29-F687-4f45-9708-019B960494DF}">
-                <a14:hiddenLine xmlns="" xmlns:a14="http://schemas.microsoft.com/office/drawing/2010/main" w="9525">
+                <a14:hiddenLine xmlns:a14="http://schemas.microsoft.com/office/drawing/2010/main" xmlns="" w="9525">
                   <a:solidFill>
                     <a:srgbClr val="000000"/>
                   </a:solidFill>
@@ -4733,7 +4733,7 @@
             </a:ln>
             <a:extLst>
               <a:ext uri="{91240B29-F687-4f45-9708-019B960494DF}">
-                <a14:hiddenLine xmlns="" xmlns:a14="http://schemas.microsoft.com/office/drawing/2010/main" w="9525">
+                <a14:hiddenLine xmlns:a14="http://schemas.microsoft.com/office/drawing/2010/main" xmlns="" w="9525">
                   <a:solidFill>
                     <a:srgbClr val="000000"/>
                   </a:solidFill>
@@ -9540,7 +9540,7 @@
           <a:noFill/>
           <a:extLst>
             <a:ext uri="{909E8E84-426E-40dd-AFC4-6F175D3DCCD1}">
-              <a14:hiddenFill xmlns="" xmlns:a14="http://schemas.microsoft.com/office/drawing/2010/main">
+              <a14:hiddenFill xmlns:a14="http://schemas.microsoft.com/office/drawing/2010/main" xmlns="">
                 <a:solidFill>
                   <a:srgbClr val="FFFFFF"/>
                 </a:solidFill>
@@ -9614,7 +9614,7 @@
               </a:ln>
               <a:extLst>
                 <a:ext uri="{91240B29-F687-4f45-9708-019B960494DF}">
-                  <a14:hiddenLine xmlns="" xmlns:a14="http://schemas.microsoft.com/office/drawing/2010/main" w="9525">
+                  <a14:hiddenLine xmlns:a14="http://schemas.microsoft.com/office/drawing/2010/main" xmlns="" w="9525">
                     <a:solidFill>
                       <a:srgbClr val="000000"/>
                     </a:solidFill>
@@ -9704,7 +9704,7 @@
               </a:ln>
               <a:extLst>
                 <a:ext uri="{91240B29-F687-4f45-9708-019B960494DF}">
-                  <a14:hiddenLine xmlns="" xmlns:a14="http://schemas.microsoft.com/office/drawing/2010/main" w="9525">
+                  <a14:hiddenLine xmlns:a14="http://schemas.microsoft.com/office/drawing/2010/main" xmlns="" w="9525">
                     <a:solidFill>
                       <a:srgbClr val="000000"/>
                     </a:solidFill>
@@ -9794,7 +9794,7 @@
               </a:ln>
               <a:extLst>
                 <a:ext uri="{91240B29-F687-4f45-9708-019B960494DF}">
-                  <a14:hiddenLine xmlns="" xmlns:a14="http://schemas.microsoft.com/office/drawing/2010/main" w="9525">
+                  <a14:hiddenLine xmlns:a14="http://schemas.microsoft.com/office/drawing/2010/main" xmlns="" w="9525">
                     <a:solidFill>
                       <a:srgbClr val="000000"/>
                     </a:solidFill>
@@ -9856,7 +9856,7 @@
               </a:ln>
               <a:extLst>
                 <a:ext uri="{91240B29-F687-4f45-9708-019B960494DF}">
-                  <a14:hiddenLine xmlns="" xmlns:a14="http://schemas.microsoft.com/office/drawing/2010/main" w="9525">
+                  <a14:hiddenLine xmlns:a14="http://schemas.microsoft.com/office/drawing/2010/main" xmlns="" w="9525">
                     <a:solidFill>
                       <a:srgbClr val="000000"/>
                     </a:solidFill>
@@ -9946,7 +9946,7 @@
               </a:ln>
               <a:extLst>
                 <a:ext uri="{91240B29-F687-4f45-9708-019B960494DF}">
-                  <a14:hiddenLine xmlns="" xmlns:a14="http://schemas.microsoft.com/office/drawing/2010/main" w="9525">
+                  <a14:hiddenLine xmlns:a14="http://schemas.microsoft.com/office/drawing/2010/main" xmlns="" w="9525">
                     <a:solidFill>
                       <a:srgbClr val="000000"/>
                     </a:solidFill>
@@ -10008,7 +10008,7 @@
               </a:ln>
               <a:extLst>
                 <a:ext uri="{91240B29-F687-4f45-9708-019B960494DF}">
-                  <a14:hiddenLine xmlns="" xmlns:a14="http://schemas.microsoft.com/office/drawing/2010/main" w="9525">
+                  <a14:hiddenLine xmlns:a14="http://schemas.microsoft.com/office/drawing/2010/main" xmlns="" w="9525">
                     <a:solidFill>
                       <a:srgbClr val="000000"/>
                     </a:solidFill>
@@ -10070,7 +10070,7 @@
               </a:ln>
               <a:extLst>
                 <a:ext uri="{91240B29-F687-4f45-9708-019B960494DF}">
-                  <a14:hiddenLine xmlns="" xmlns:a14="http://schemas.microsoft.com/office/drawing/2010/main" w="9525">
+                  <a14:hiddenLine xmlns:a14="http://schemas.microsoft.com/office/drawing/2010/main" xmlns="" w="9525">
                     <a:solidFill>
                       <a:srgbClr val="000000"/>
                     </a:solidFill>
@@ -10160,7 +10160,7 @@
               </a:ln>
               <a:extLst>
                 <a:ext uri="{91240B29-F687-4f45-9708-019B960494DF}">
-                  <a14:hiddenLine xmlns="" xmlns:a14="http://schemas.microsoft.com/office/drawing/2010/main" w="9525">
+                  <a14:hiddenLine xmlns:a14="http://schemas.microsoft.com/office/drawing/2010/main" xmlns="" w="9525">
                     <a:solidFill>
                       <a:srgbClr val="000000"/>
                     </a:solidFill>
@@ -10250,7 +10250,7 @@
               </a:ln>
               <a:extLst>
                 <a:ext uri="{91240B29-F687-4f45-9708-019B960494DF}">
-                  <a14:hiddenLine xmlns="" xmlns:a14="http://schemas.microsoft.com/office/drawing/2010/main" w="9525">
+                  <a14:hiddenLine xmlns:a14="http://schemas.microsoft.com/office/drawing/2010/main" xmlns="" w="9525">
                     <a:solidFill>
                       <a:srgbClr val="000000"/>
                     </a:solidFill>
@@ -10312,7 +10312,7 @@
               </a:ln>
               <a:extLst>
                 <a:ext uri="{91240B29-F687-4f45-9708-019B960494DF}">
-                  <a14:hiddenLine xmlns="" xmlns:a14="http://schemas.microsoft.com/office/drawing/2010/main" w="9525">
+                  <a14:hiddenLine xmlns:a14="http://schemas.microsoft.com/office/drawing/2010/main" xmlns="" w="9525">
                     <a:solidFill>
                       <a:srgbClr val="000000"/>
                     </a:solidFill>
@@ -10422,7 +10422,7 @@
               </a:ln>
               <a:extLst>
                 <a:ext uri="{91240B29-F687-4f45-9708-019B960494DF}">
-                  <a14:hiddenLine xmlns="" xmlns:a14="http://schemas.microsoft.com/office/drawing/2010/main" w="9525">
+                  <a14:hiddenLine xmlns:a14="http://schemas.microsoft.com/office/drawing/2010/main" xmlns="" w="9525">
                     <a:solidFill>
                       <a:srgbClr val="000000"/>
                     </a:solidFill>
@@ -10506,7 +10506,7 @@
               </a:ln>
               <a:extLst>
                 <a:ext uri="{91240B29-F687-4f45-9708-019B960494DF}">
-                  <a14:hiddenLine xmlns="" xmlns:a14="http://schemas.microsoft.com/office/drawing/2010/main" w="9525">
+                  <a14:hiddenLine xmlns:a14="http://schemas.microsoft.com/office/drawing/2010/main" xmlns="" w="9525">
                     <a:solidFill>
                       <a:srgbClr val="000000"/>
                     </a:solidFill>
@@ -10568,7 +10568,7 @@
               </a:ln>
               <a:extLst>
                 <a:ext uri="{91240B29-F687-4f45-9708-019B960494DF}">
-                  <a14:hiddenLine xmlns="" xmlns:a14="http://schemas.microsoft.com/office/drawing/2010/main" w="9525">
+                  <a14:hiddenLine xmlns:a14="http://schemas.microsoft.com/office/drawing/2010/main" xmlns="" w="9525">
                     <a:solidFill>
                       <a:srgbClr val="000000"/>
                     </a:solidFill>
@@ -10630,7 +10630,7 @@
               </a:ln>
               <a:extLst>
                 <a:ext uri="{91240B29-F687-4f45-9708-019B960494DF}">
-                  <a14:hiddenLine xmlns="" xmlns:a14="http://schemas.microsoft.com/office/drawing/2010/main" w="9525">
+                  <a14:hiddenLine xmlns:a14="http://schemas.microsoft.com/office/drawing/2010/main" xmlns="" w="9525">
                     <a:solidFill>
                       <a:srgbClr val="000000"/>
                     </a:solidFill>
@@ -10720,7 +10720,7 @@
               </a:ln>
               <a:extLst>
                 <a:ext uri="{91240B29-F687-4f45-9708-019B960494DF}">
-                  <a14:hiddenLine xmlns="" xmlns:a14="http://schemas.microsoft.com/office/drawing/2010/main" w="9525">
+                  <a14:hiddenLine xmlns:a14="http://schemas.microsoft.com/office/drawing/2010/main" xmlns="" w="9525">
                     <a:solidFill>
                       <a:srgbClr val="000000"/>
                     </a:solidFill>
@@ -10754,7 +10754,7 @@
               </a:ln>
               <a:extLst>
                 <a:ext uri="{91240B29-F687-4f45-9708-019B960494DF}">
-                  <a14:hiddenLine xmlns="" xmlns:a14="http://schemas.microsoft.com/office/drawing/2010/main" w="9525">
+                  <a14:hiddenLine xmlns:a14="http://schemas.microsoft.com/office/drawing/2010/main" xmlns="" w="9525">
                     <a:solidFill>
                       <a:srgbClr val="000000"/>
                     </a:solidFill>
@@ -10819,7 +10819,7 @@
               </a:ln>
               <a:extLst>
                 <a:ext uri="{91240B29-F687-4f45-9708-019B960494DF}">
-                  <a14:hiddenLine xmlns="" xmlns:a14="http://schemas.microsoft.com/office/drawing/2010/main" w="9525">
+                  <a14:hiddenLine xmlns:a14="http://schemas.microsoft.com/office/drawing/2010/main" xmlns="" w="9525">
                     <a:solidFill>
                       <a:srgbClr val="000000"/>
                     </a:solidFill>
@@ -10909,7 +10909,7 @@
               </a:ln>
               <a:extLst>
                 <a:ext uri="{91240B29-F687-4f45-9708-019B960494DF}">
-                  <a14:hiddenLine xmlns="" xmlns:a14="http://schemas.microsoft.com/office/drawing/2010/main" w="9525">
+                  <a14:hiddenLine xmlns:a14="http://schemas.microsoft.com/office/drawing/2010/main" xmlns="" w="9525">
                     <a:solidFill>
                       <a:srgbClr val="000000"/>
                     </a:solidFill>
@@ -10971,7 +10971,7 @@
               </a:ln>
               <a:extLst>
                 <a:ext uri="{91240B29-F687-4f45-9708-019B960494DF}">
-                  <a14:hiddenLine xmlns="" xmlns:a14="http://schemas.microsoft.com/office/drawing/2010/main" w="9525">
+                  <a14:hiddenLine xmlns:a14="http://schemas.microsoft.com/office/drawing/2010/main" xmlns="" w="9525">
                     <a:solidFill>
                       <a:srgbClr val="000000"/>
                     </a:solidFill>
@@ -11061,7 +11061,7 @@
               </a:ln>
               <a:extLst>
                 <a:ext uri="{91240B29-F687-4f45-9708-019B960494DF}">
-                  <a14:hiddenLine xmlns="" xmlns:a14="http://schemas.microsoft.com/office/drawing/2010/main" w="9525">
+                  <a14:hiddenLine xmlns:a14="http://schemas.microsoft.com/office/drawing/2010/main" xmlns="" w="9525">
                     <a:solidFill>
                       <a:srgbClr val="000000"/>
                     </a:solidFill>
@@ -11126,7 +11126,7 @@
               </a:ln>
               <a:extLst>
                 <a:ext uri="{91240B29-F687-4f45-9708-019B960494DF}">
-                  <a14:hiddenLine xmlns="" xmlns:a14="http://schemas.microsoft.com/office/drawing/2010/main" w="9525">
+                  <a14:hiddenLine xmlns:a14="http://schemas.microsoft.com/office/drawing/2010/main" xmlns="" w="9525">
                     <a:solidFill>
                       <a:srgbClr val="000000"/>
                     </a:solidFill>
@@ -11188,7 +11188,7 @@
               </a:ln>
               <a:extLst>
                 <a:ext uri="{91240B29-F687-4f45-9708-019B960494DF}">
-                  <a14:hiddenLine xmlns="" xmlns:a14="http://schemas.microsoft.com/office/drawing/2010/main" w="9525">
+                  <a14:hiddenLine xmlns:a14="http://schemas.microsoft.com/office/drawing/2010/main" xmlns="" w="9525">
                     <a:solidFill>
                       <a:srgbClr val="000000"/>
                     </a:solidFill>
@@ -11278,7 +11278,7 @@
               </a:ln>
               <a:extLst>
                 <a:ext uri="{91240B29-F687-4f45-9708-019B960494DF}">
-                  <a14:hiddenLine xmlns="" xmlns:a14="http://schemas.microsoft.com/office/drawing/2010/main" w="9525">
+                  <a14:hiddenLine xmlns:a14="http://schemas.microsoft.com/office/drawing/2010/main" xmlns="" w="9525">
                     <a:solidFill>
                       <a:srgbClr val="000000"/>
                     </a:solidFill>
@@ -11368,7 +11368,7 @@
               </a:ln>
               <a:extLst>
                 <a:ext uri="{91240B29-F687-4f45-9708-019B960494DF}">
-                  <a14:hiddenLine xmlns="" xmlns:a14="http://schemas.microsoft.com/office/drawing/2010/main" w="9525">
+                  <a14:hiddenLine xmlns:a14="http://schemas.microsoft.com/office/drawing/2010/main" xmlns="" w="9525">
                     <a:solidFill>
                       <a:srgbClr val="000000"/>
                     </a:solidFill>
@@ -11433,7 +11433,7 @@
               </a:ln>
               <a:extLst>
                 <a:ext uri="{91240B29-F687-4f45-9708-019B960494DF}">
-                  <a14:hiddenLine xmlns="" xmlns:a14="http://schemas.microsoft.com/office/drawing/2010/main" w="9525">
+                  <a14:hiddenLine xmlns:a14="http://schemas.microsoft.com/office/drawing/2010/main" xmlns="" w="9525">
                     <a:solidFill>
                       <a:srgbClr val="000000"/>
                     </a:solidFill>
@@ -11553,7 +11553,7 @@
               </a:ln>
               <a:extLst>
                 <a:ext uri="{91240B29-F687-4f45-9708-019B960494DF}">
-                  <a14:hiddenLine xmlns="" xmlns:a14="http://schemas.microsoft.com/office/drawing/2010/main" w="9525">
+                  <a14:hiddenLine xmlns:a14="http://schemas.microsoft.com/office/drawing/2010/main" xmlns="" w="9525">
                     <a:solidFill>
                       <a:srgbClr val="000000"/>
                     </a:solidFill>
@@ -11651,7 +11651,7 @@
               </a:ln>
               <a:extLst>
                 <a:ext uri="{91240B29-F687-4f45-9708-019B960494DF}">
-                  <a14:hiddenLine xmlns="" xmlns:a14="http://schemas.microsoft.com/office/drawing/2010/main" w="9525">
+                  <a14:hiddenLine xmlns:a14="http://schemas.microsoft.com/office/drawing/2010/main" xmlns="" w="9525">
                     <a:solidFill>
                       <a:srgbClr val="000000"/>
                     </a:solidFill>
@@ -11766,7 +11766,7 @@
               </a:ln>
               <a:extLst>
                 <a:ext uri="{91240B29-F687-4f45-9708-019B960494DF}">
-                  <a14:hiddenLine xmlns="" xmlns:a14="http://schemas.microsoft.com/office/drawing/2010/main" w="9525">
+                  <a14:hiddenLine xmlns:a14="http://schemas.microsoft.com/office/drawing/2010/main" xmlns="" w="9525">
                     <a:solidFill>
                       <a:srgbClr val="000000"/>
                     </a:solidFill>
@@ -11856,7 +11856,7 @@
               </a:ln>
               <a:extLst>
                 <a:ext uri="{91240B29-F687-4f45-9708-019B960494DF}">
-                  <a14:hiddenLine xmlns="" xmlns:a14="http://schemas.microsoft.com/office/drawing/2010/main" w="9525">
+                  <a14:hiddenLine xmlns:a14="http://schemas.microsoft.com/office/drawing/2010/main" xmlns="" w="9525">
                     <a:solidFill>
                       <a:srgbClr val="000000"/>
                     </a:solidFill>
@@ -11921,7 +11921,7 @@
               </a:ln>
               <a:extLst>
                 <a:ext uri="{91240B29-F687-4f45-9708-019B960494DF}">
-                  <a14:hiddenLine xmlns="" xmlns:a14="http://schemas.microsoft.com/office/drawing/2010/main" w="9525">
+                  <a14:hiddenLine xmlns:a14="http://schemas.microsoft.com/office/drawing/2010/main" xmlns="" w="9525">
                     <a:solidFill>
                       <a:srgbClr val="000000"/>
                     </a:solidFill>
@@ -12011,7 +12011,7 @@
               </a:ln>
               <a:extLst>
                 <a:ext uri="{91240B29-F687-4f45-9708-019B960494DF}">
-                  <a14:hiddenLine xmlns="" xmlns:a14="http://schemas.microsoft.com/office/drawing/2010/main" w="9525">
+                  <a14:hiddenLine xmlns:a14="http://schemas.microsoft.com/office/drawing/2010/main" xmlns="" w="9525">
                     <a:solidFill>
                       <a:srgbClr val="000000"/>
                     </a:solidFill>
@@ -12079,7 +12079,7 @@
               </a:ln>
               <a:extLst>
                 <a:ext uri="{91240B29-F687-4f45-9708-019B960494DF}">
-                  <a14:hiddenLine xmlns="" xmlns:a14="http://schemas.microsoft.com/office/drawing/2010/main" w="9525">
+                  <a14:hiddenLine xmlns:a14="http://schemas.microsoft.com/office/drawing/2010/main" xmlns="" w="9525">
                     <a:solidFill>
                       <a:srgbClr val="000000"/>
                     </a:solidFill>
@@ -12169,7 +12169,7 @@
               </a:ln>
               <a:extLst>
                 <a:ext uri="{91240B29-F687-4f45-9708-019B960494DF}">
-                  <a14:hiddenLine xmlns="" xmlns:a14="http://schemas.microsoft.com/office/drawing/2010/main" w="9525">
+                  <a14:hiddenLine xmlns:a14="http://schemas.microsoft.com/office/drawing/2010/main" xmlns="" w="9525">
                     <a:solidFill>
                       <a:srgbClr val="000000"/>
                     </a:solidFill>
@@ -12237,7 +12237,7 @@
               </a:ln>
               <a:extLst>
                 <a:ext uri="{91240B29-F687-4f45-9708-019B960494DF}">
-                  <a14:hiddenLine xmlns="" xmlns:a14="http://schemas.microsoft.com/office/drawing/2010/main" w="9525">
+                  <a14:hiddenLine xmlns:a14="http://schemas.microsoft.com/office/drawing/2010/main" xmlns="" w="9525">
                     <a:solidFill>
                       <a:srgbClr val="000000"/>
                     </a:solidFill>
@@ -12327,7 +12327,7 @@
               </a:ln>
               <a:extLst>
                 <a:ext uri="{91240B29-F687-4f45-9708-019B960494DF}">
-                  <a14:hiddenLine xmlns="" xmlns:a14="http://schemas.microsoft.com/office/drawing/2010/main" w="9525">
+                  <a14:hiddenLine xmlns:a14="http://schemas.microsoft.com/office/drawing/2010/main" xmlns="" w="9525">
                     <a:solidFill>
                       <a:srgbClr val="000000"/>
                     </a:solidFill>
@@ -12361,7 +12361,7 @@
               </a:ln>
               <a:extLst>
                 <a:ext uri="{91240B29-F687-4f45-9708-019B960494DF}">
-                  <a14:hiddenLine xmlns="" xmlns:a14="http://schemas.microsoft.com/office/drawing/2010/main" w="9525">
+                  <a14:hiddenLine xmlns:a14="http://schemas.microsoft.com/office/drawing/2010/main" xmlns="" w="9525">
                     <a:solidFill>
                       <a:srgbClr val="000000"/>
                     </a:solidFill>
@@ -13806,8 +13806,8 @@
         </p:nvSpPr>
         <p:spPr>
           <a:xfrm>
-            <a:off x="0" y="2481943"/>
-            <a:ext cx="12127102" cy="369332"/>
+            <a:off x="712694" y="2286000"/>
+            <a:ext cx="10165977" cy="584775"/>
           </a:xfrm>
           <a:prstGeom prst="rect">
             <a:avLst/>
@@ -13815,14 +13815,14 @@
           <a:noFill/>
         </p:spPr>
         <p:txBody>
-          <a:bodyPr wrap="none" rtlCol="0">
+          <a:bodyPr wrap="square" rtlCol="0">
             <a:spAutoFit/>
           </a:bodyPr>
           <a:lstStyle/>
           <a:p>
             <a:r>
-              <a:rPr lang="en-IN" dirty="0"/>
-              <a:t>https://github.com/jyothika19/steganography_project/tree/16dd2dbfeea57877ff20cd549dec1e45b285576e/New%20folder</a:t>
+              <a:rPr lang="en-IN" sz="3200" dirty="0"/>
+              <a:t>https://github.com/jyothika19/steganography_project.git</a:t>
             </a:r>
           </a:p>
         </p:txBody>
